--- a/pano/360System.pptx
+++ b/pano/360System.pptx
@@ -114,6 +114,11 @@
       </a:defRPr>
     </a:lvl9pPr>
   </p:defaultTextStyle>
+  <p:extLst>
+    <p:ext uri="{EFAFB233-063F-42B5-8137-9DF3F51BA10A}">
+      <p15:sldGuideLst xmlns:p15="http://schemas.microsoft.com/office/powerpoint/2012/main"/>
+    </p:ext>
+  </p:extLst>
 </p:presentation>
 </file>
 
@@ -19540,7 +19545,7 @@
         </p:nvGrpSpPr>
         <p:grpSpPr>
           <a:xfrm rot="16200000">
-            <a:off x="6056433" y="2216349"/>
+            <a:off x="6204486" y="2216349"/>
             <a:ext cx="253058" cy="4284792"/>
             <a:chOff x="6803580" y="1567596"/>
             <a:chExt cx="253058" cy="4284792"/>
@@ -20019,7 +20024,7 @@
         </p:nvGrpSpPr>
         <p:grpSpPr>
           <a:xfrm rot="16200000">
-            <a:off x="6056486" y="2857923"/>
+            <a:off x="6204539" y="2857923"/>
             <a:ext cx="246061" cy="4284792"/>
             <a:chOff x="6275283" y="1567596"/>
             <a:chExt cx="246061" cy="4284792"/>
@@ -21486,8 +21491,8 @@
         </p:nvGrpSpPr>
         <p:grpSpPr>
           <a:xfrm rot="16200000">
-            <a:off x="5161395" y="1531854"/>
-            <a:ext cx="204714" cy="6711169"/>
+            <a:off x="5220717" y="1472533"/>
+            <a:ext cx="204714" cy="6829812"/>
             <a:chOff x="7678811" y="-386115"/>
             <a:chExt cx="204714" cy="6711169"/>
           </a:xfrm>
@@ -21795,8 +21800,8 @@
         </p:nvGrpSpPr>
         <p:grpSpPr>
           <a:xfrm rot="16200000" flipH="1">
-            <a:off x="5151488" y="1124698"/>
-            <a:ext cx="210735" cy="6711169"/>
+            <a:off x="5214257" y="1061929"/>
+            <a:ext cx="210735" cy="6836707"/>
             <a:chOff x="7678811" y="-386115"/>
             <a:chExt cx="204714" cy="6711169"/>
           </a:xfrm>
@@ -22296,7 +22301,7 @@
         </p:nvSpPr>
         <p:spPr>
           <a:xfrm rot="16200000">
-            <a:off x="4319507" y="4737467"/>
+            <a:off x="4467560" y="4737467"/>
             <a:ext cx="155421" cy="106380"/>
           </a:xfrm>
           <a:prstGeom prst="rect">
@@ -22344,7 +22349,7 @@
         </p:nvSpPr>
         <p:spPr>
           <a:xfrm rot="16200000">
-            <a:off x="4319507" y="4521552"/>
+            <a:off x="4467560" y="4521552"/>
             <a:ext cx="155421" cy="106380"/>
           </a:xfrm>
           <a:prstGeom prst="rect">
@@ -22392,7 +22397,7 @@
         </p:nvSpPr>
         <p:spPr>
           <a:xfrm rot="16200000">
-            <a:off x="8132507" y="4737466"/>
+            <a:off x="8280560" y="4737466"/>
             <a:ext cx="155421" cy="106380"/>
           </a:xfrm>
           <a:prstGeom prst="rect">
@@ -22440,7 +22445,7 @@
         </p:nvSpPr>
         <p:spPr>
           <a:xfrm rot="16200000">
-            <a:off x="8132507" y="4521551"/>
+            <a:off x="8280560" y="4521551"/>
             <a:ext cx="155421" cy="106380"/>
           </a:xfrm>
           <a:prstGeom prst="rect">
